--- a/Architecture.pptx
+++ b/Architecture.pptx
@@ -105,6 +105,11 @@
       </a:defRPr>
     </a:lvl9pPr>
   </p:defaultTextStyle>
+  <p:extLst>
+    <p:ext uri="{EFAFB233-063F-42B5-8137-9DF3F51BA10A}">
+      <p15:sldGuideLst xmlns:p15="http://schemas.microsoft.com/office/powerpoint/2012/main"/>
+    </p:ext>
+  </p:extLst>
 </p:presentation>
 </file>
 
@@ -3338,13 +3343,34 @@
             <p:ph type="title"/>
           </p:nvPr>
         </p:nvSpPr>
-        <p:spPr/>
-        <p:txBody>
-          <a:bodyPr/>
-          <a:lstStyle/>
-          <a:p>
-            <a:r>
-              <a:rPr lang="en-US" dirty="0"/>
+        <p:spPr>
+          <a:xfrm>
+            <a:off x="182880" y="365125"/>
+            <a:ext cx="2093595" cy="1325563"/>
+          </a:xfrm>
+        </p:spPr>
+        <p:style>
+          <a:lnRef idx="1">
+            <a:schemeClr val="accent5"/>
+          </a:lnRef>
+          <a:fillRef idx="2">
+            <a:schemeClr val="accent5"/>
+          </a:fillRef>
+          <a:effectRef idx="1">
+            <a:schemeClr val="accent5"/>
+          </a:effectRef>
+          <a:fontRef idx="minor">
+            <a:schemeClr val="dk1"/>
+          </a:fontRef>
+        </p:style>
+        <p:txBody>
+          <a:bodyPr>
+            <a:normAutofit/>
+          </a:bodyPr>
+          <a:lstStyle/>
+          <a:p>
+            <a:r>
+              <a:rPr lang="en-US" sz="2000" b="1" dirty="0"/>
               <a:t>Architecture</a:t>
             </a:r>
           </a:p>
@@ -3376,6 +3402,36 @@
           <a:xfrm>
             <a:off x="2947556" y="1825625"/>
             <a:ext cx="6296888" cy="4351338"/>
+          </a:xfrm>
+          <a:prstGeom prst="rect">
+            <a:avLst/>
+          </a:prstGeom>
+        </p:spPr>
+      </p:pic>
+      <p:pic>
+        <p:nvPicPr>
+          <p:cNvPr id="7" name="Picture 6">
+            <a:extLst>
+              <a:ext uri="{FF2B5EF4-FFF2-40B4-BE49-F238E27FC236}">
+                <a16:creationId xmlns:a16="http://schemas.microsoft.com/office/drawing/2014/main" id="{8AD93DAF-D7D3-2C5B-DA70-AD579496B876}"/>
+              </a:ext>
+            </a:extLst>
+          </p:cNvPr>
+          <p:cNvPicPr>
+            <a:picLocks noChangeAspect="1"/>
+          </p:cNvPicPr>
+          <p:nvPr/>
+        </p:nvPicPr>
+        <p:blipFill>
+          <a:blip r:embed="rId3"/>
+          <a:stretch>
+            <a:fillRect/>
+          </a:stretch>
+        </p:blipFill>
+        <p:spPr>
+          <a:xfrm>
+            <a:off x="2276475" y="157162"/>
+            <a:ext cx="7639050" cy="6543675"/>
           </a:xfrm>
           <a:prstGeom prst="rect">
             <a:avLst/>
@@ -3428,7 +3484,28 @@
             <p:ph type="title"/>
           </p:nvPr>
         </p:nvSpPr>
-        <p:spPr/>
+        <p:spPr>
+          <a:xfrm>
+            <a:off x="838200" y="383413"/>
+            <a:ext cx="10515600" cy="787019"/>
+          </a:xfrm>
+        </p:spPr>
+        <p:style>
+          <a:lnRef idx="2">
+            <a:schemeClr val="accent3">
+              <a:shade val="15000"/>
+            </a:schemeClr>
+          </a:lnRef>
+          <a:fillRef idx="1">
+            <a:schemeClr val="accent3"/>
+          </a:fillRef>
+          <a:effectRef idx="0">
+            <a:schemeClr val="accent3"/>
+          </a:effectRef>
+          <a:fontRef idx="minor">
+            <a:schemeClr val="lt1"/>
+          </a:fontRef>
+        </p:style>
         <p:txBody>
           <a:bodyPr/>
           <a:lstStyle/>
@@ -3456,10 +3533,15 @@
             <p:ph idx="1"/>
           </p:nvPr>
         </p:nvSpPr>
-        <p:spPr/>
+        <p:spPr>
+          <a:xfrm>
+            <a:off x="838200" y="1490472"/>
+            <a:ext cx="10515600" cy="4686491"/>
+          </a:xfrm>
+        </p:spPr>
         <p:txBody>
           <a:bodyPr>
-            <a:normAutofit fontScale="92500" lnSpcReduction="10000"/>
+            <a:normAutofit lnSpcReduction="10000"/>
           </a:bodyPr>
           <a:lstStyle/>
           <a:p>
@@ -3506,11 +3588,11 @@
             </a:pPr>
             <a:r>
               <a:rPr lang="en-US" b="1" dirty="0"/>
-              <a:t>LLM Classification</a:t>
+              <a:t>Duplicate Detection</a:t>
             </a:r>
             <a:r>
               <a:rPr lang="en-US" dirty="0"/>
-              <a:t> – Identifying request types and extracting key fields.</a:t>
+              <a:t> – Identifying and handling redundant emails.</a:t>
             </a:r>
           </a:p>
           <a:p>
@@ -3520,11 +3602,11 @@
             </a:pPr>
             <a:r>
               <a:rPr lang="en-US" b="1" dirty="0"/>
-              <a:t>Priority &amp; Routing</a:t>
+              <a:t>LLM Classification</a:t>
             </a:r>
             <a:r>
               <a:rPr lang="en-US" dirty="0"/>
-              <a:t> – Assigning priority and directing emails based on request type.</a:t>
+              <a:t> – Identifying request types and extracting key fields.</a:t>
             </a:r>
           </a:p>
           <a:p>
@@ -3534,11 +3616,11 @@
             </a:pPr>
             <a:r>
               <a:rPr lang="en-US" b="1" dirty="0"/>
-              <a:t>Duplicate Detection</a:t>
+              <a:t>Priority &amp; Routing</a:t>
             </a:r>
             <a:r>
               <a:rPr lang="en-US" dirty="0"/>
-              <a:t> – Identifying and handling redundant emails.</a:t>
+              <a:t> – Assigning priority and directing emails based on request type.</a:t>
             </a:r>
           </a:p>
           <a:p>
@@ -3552,7 +3634,7 @@
             </a:r>
             <a:r>
               <a:rPr lang="en-US" dirty="0"/>
-              <a:t> – Structuring the extracted data and integrating it into the servicing workflow.</a:t>
+              <a:t> – Structuring the extracted data and routing  it into the servicing workflow.</a:t>
             </a:r>
           </a:p>
           <a:p>
